--- a/docs/songs/king of kings majesty.pptx
+++ b/docs/songs/king of kings majesty.pptx
@@ -9,6 +9,7 @@
     <p:sldId id="522" r:id="rId3"/>
     <p:sldId id="520" r:id="rId4"/>
     <p:sldId id="521" r:id="rId5"/>
+    <p:sldId id="1500" r:id="rId6"/>
   </p:sldIdLst>
   <p:sldSz cx="9144000" cy="6858000" type="screen4x3"/>
   <p:notesSz cx="6858000" cy="9144000"/>
@@ -308,7 +309,7 @@
             <a:fld id="{26EA1CF3-4A15-4CBF-9A5A-6A56C368BE71}" type="datetimeFigureOut">
               <a:rPr lang="en-GB" smtClean="0"/>
               <a:pPr/>
-              <a:t>08/02/2023</a:t>
+              <a:t>23/02/2026</a:t>
             </a:fld>
             <a:endParaRPr lang="en-GB"/>
           </a:p>
@@ -475,7 +476,7 @@
             <a:fld id="{26EA1CF3-4A15-4CBF-9A5A-6A56C368BE71}" type="datetimeFigureOut">
               <a:rPr lang="en-GB" smtClean="0"/>
               <a:pPr/>
-              <a:t>08/02/2023</a:t>
+              <a:t>23/02/2026</a:t>
             </a:fld>
             <a:endParaRPr lang="en-GB"/>
           </a:p>
@@ -652,7 +653,7 @@
             <a:fld id="{26EA1CF3-4A15-4CBF-9A5A-6A56C368BE71}" type="datetimeFigureOut">
               <a:rPr lang="en-GB" smtClean="0"/>
               <a:pPr/>
-              <a:t>08/02/2023</a:t>
+              <a:t>23/02/2026</a:t>
             </a:fld>
             <a:endParaRPr lang="en-GB"/>
           </a:p>
@@ -819,7 +820,7 @@
             <a:fld id="{26EA1CF3-4A15-4CBF-9A5A-6A56C368BE71}" type="datetimeFigureOut">
               <a:rPr lang="en-GB" smtClean="0"/>
               <a:pPr/>
-              <a:t>08/02/2023</a:t>
+              <a:t>23/02/2026</a:t>
             </a:fld>
             <a:endParaRPr lang="en-GB"/>
           </a:p>
@@ -1062,7 +1063,7 @@
             <a:fld id="{26EA1CF3-4A15-4CBF-9A5A-6A56C368BE71}" type="datetimeFigureOut">
               <a:rPr lang="en-GB" smtClean="0"/>
               <a:pPr/>
-              <a:t>08/02/2023</a:t>
+              <a:t>23/02/2026</a:t>
             </a:fld>
             <a:endParaRPr lang="en-GB"/>
           </a:p>
@@ -1347,7 +1348,7 @@
             <a:fld id="{26EA1CF3-4A15-4CBF-9A5A-6A56C368BE71}" type="datetimeFigureOut">
               <a:rPr lang="en-GB" smtClean="0"/>
               <a:pPr/>
-              <a:t>08/02/2023</a:t>
+              <a:t>23/02/2026</a:t>
             </a:fld>
             <a:endParaRPr lang="en-GB"/>
           </a:p>
@@ -1766,7 +1767,7 @@
             <a:fld id="{26EA1CF3-4A15-4CBF-9A5A-6A56C368BE71}" type="datetimeFigureOut">
               <a:rPr lang="en-GB" smtClean="0"/>
               <a:pPr/>
-              <a:t>08/02/2023</a:t>
+              <a:t>23/02/2026</a:t>
             </a:fld>
             <a:endParaRPr lang="en-GB"/>
           </a:p>
@@ -1881,7 +1882,7 @@
             <a:fld id="{26EA1CF3-4A15-4CBF-9A5A-6A56C368BE71}" type="datetimeFigureOut">
               <a:rPr lang="en-GB" smtClean="0"/>
               <a:pPr/>
-              <a:t>08/02/2023</a:t>
+              <a:t>23/02/2026</a:t>
             </a:fld>
             <a:endParaRPr lang="en-GB"/>
           </a:p>
@@ -1973,7 +1974,7 @@
             <a:fld id="{26EA1CF3-4A15-4CBF-9A5A-6A56C368BE71}" type="datetimeFigureOut">
               <a:rPr lang="en-GB" smtClean="0"/>
               <a:pPr/>
-              <a:t>08/02/2023</a:t>
+              <a:t>23/02/2026</a:t>
             </a:fld>
             <a:endParaRPr lang="en-GB"/>
           </a:p>
@@ -2247,7 +2248,7 @@
             <a:fld id="{26EA1CF3-4A15-4CBF-9A5A-6A56C368BE71}" type="datetimeFigureOut">
               <a:rPr lang="en-GB" smtClean="0"/>
               <a:pPr/>
-              <a:t>08/02/2023</a:t>
+              <a:t>23/02/2026</a:t>
             </a:fld>
             <a:endParaRPr lang="en-GB"/>
           </a:p>
@@ -2497,7 +2498,7 @@
             <a:fld id="{26EA1CF3-4A15-4CBF-9A5A-6A56C368BE71}" type="datetimeFigureOut">
               <a:rPr lang="en-GB" smtClean="0"/>
               <a:pPr/>
-              <a:t>08/02/2023</a:t>
+              <a:t>23/02/2026</a:t>
             </a:fld>
             <a:endParaRPr lang="en-GB"/>
           </a:p>
@@ -2710,7 +2711,7 @@
             <a:fld id="{26EA1CF3-4A15-4CBF-9A5A-6A56C368BE71}" type="datetimeFigureOut">
               <a:rPr lang="en-GB" smtClean="0"/>
               <a:pPr/>
-              <a:t>08/02/2023</a:t>
+              <a:t>23/02/2026</a:t>
             </a:fld>
             <a:endParaRPr lang="en-GB"/>
           </a:p>
@@ -3259,7 +3260,7 @@
         </p:nvSpPr>
         <p:spPr>
           <a:xfrm>
-            <a:off x="323528" y="188640"/>
+            <a:off x="251520" y="836712"/>
             <a:ext cx="8640960" cy="6480720"/>
           </a:xfrm>
         </p:spPr>
@@ -3270,7 +3271,7 @@
           <a:lstStyle/>
           <a:p>
             <a:r>
-              <a:rPr lang="en-GB" sz="4000" dirty="0">
+              <a:rPr lang="en-GB" sz="3600" dirty="0">
                 <a:solidFill>
                   <a:schemeClr val="bg1"/>
                 </a:solidFill>
@@ -3280,7 +3281,7 @@
           </a:p>
           <a:p>
             <a:r>
-              <a:rPr lang="en-GB" sz="4000" dirty="0">
+              <a:rPr lang="en-GB" sz="3600" dirty="0">
                 <a:solidFill>
                   <a:schemeClr val="bg1"/>
                 </a:solidFill>
@@ -3290,7 +3291,7 @@
           </a:p>
           <a:p>
             <a:r>
-              <a:rPr lang="en-GB" sz="4000" dirty="0">
+              <a:rPr lang="en-GB" sz="3600" dirty="0">
                 <a:solidFill>
                   <a:schemeClr val="bg1"/>
                 </a:solidFill>
@@ -3300,7 +3301,7 @@
           </a:p>
           <a:p>
             <a:r>
-              <a:rPr lang="en-GB" sz="4000" dirty="0">
+              <a:rPr lang="en-GB" sz="3600" dirty="0">
                 <a:solidFill>
                   <a:schemeClr val="bg1"/>
                 </a:solidFill>
@@ -3308,7 +3309,7 @@
               <a:t>Strong </a:t>
             </a:r>
             <a:r>
-              <a:rPr lang="en-GB" sz="4000" dirty="0" err="1">
+              <a:rPr lang="en-GB" sz="3600" dirty="0" err="1">
                 <a:solidFill>
                   <a:schemeClr val="bg1"/>
                 </a:solidFill>
@@ -3316,7 +3317,7 @@
               <a:t>deliv'rer</a:t>
             </a:r>
             <a:r>
-              <a:rPr lang="en-GB" sz="4000" dirty="0">
+              <a:rPr lang="en-GB" sz="3600" dirty="0">
                 <a:solidFill>
                   <a:schemeClr val="bg1"/>
                 </a:solidFill>
@@ -3326,7 +3327,7 @@
           </a:p>
           <a:p>
             <a:r>
-              <a:rPr lang="en-GB" sz="4000" dirty="0">
+              <a:rPr lang="en-GB" sz="3600" dirty="0">
                 <a:solidFill>
                   <a:schemeClr val="bg1"/>
                 </a:solidFill>
@@ -3364,7 +3365,7 @@
                   <a:schemeClr val="bg1"/>
                 </a:solidFill>
               </a:rPr>
-              <a:t>1/3</a:t>
+              <a:t>1/4</a:t>
             </a:r>
           </a:p>
         </p:txBody>
@@ -3411,7 +3412,7 @@
         </p:nvSpPr>
         <p:spPr>
           <a:xfrm>
-            <a:off x="323528" y="188640"/>
+            <a:off x="251520" y="764704"/>
             <a:ext cx="8640960" cy="6480720"/>
           </a:xfrm>
         </p:spPr>
@@ -3422,7 +3423,7 @@
           <a:lstStyle/>
           <a:p>
             <a:r>
-              <a:rPr lang="en-GB" sz="4000" dirty="0">
+              <a:rPr lang="en-GB" sz="3600" dirty="0">
                 <a:solidFill>
                   <a:schemeClr val="bg1"/>
                 </a:solidFill>
@@ -3432,7 +3433,7 @@
           </a:p>
           <a:p>
             <a:r>
-              <a:rPr lang="en-GB" sz="4000" dirty="0">
+              <a:rPr lang="en-GB" sz="3600" dirty="0">
                 <a:solidFill>
                   <a:schemeClr val="bg1"/>
                 </a:solidFill>
@@ -3442,7 +3443,7 @@
           </a:p>
           <a:p>
             <a:r>
-              <a:rPr lang="en-GB" sz="4000" dirty="0">
+              <a:rPr lang="en-GB" sz="3600" dirty="0">
                 <a:solidFill>
                   <a:schemeClr val="bg1"/>
                 </a:solidFill>
@@ -3452,7 +3453,7 @@
           </a:p>
           <a:p>
             <a:r>
-              <a:rPr lang="en-GB" sz="4000" dirty="0">
+              <a:rPr lang="en-GB" sz="3600" dirty="0">
                 <a:solidFill>
                   <a:schemeClr val="bg1"/>
                 </a:solidFill>
@@ -3490,7 +3491,7 @@
                   <a:schemeClr val="bg1"/>
                 </a:solidFill>
               </a:rPr>
-              <a:t>2/3</a:t>
+              <a:t>2/4</a:t>
             </a:r>
           </a:p>
         </p:txBody>
@@ -3537,7 +3538,7 @@
         </p:nvSpPr>
         <p:spPr>
           <a:xfrm>
-            <a:off x="323528" y="188640"/>
+            <a:off x="251520" y="908720"/>
             <a:ext cx="8640960" cy="6480720"/>
           </a:xfrm>
         </p:spPr>
@@ -3548,7 +3549,7 @@
           <a:lstStyle/>
           <a:p>
             <a:r>
-              <a:rPr lang="en-GB" sz="4000" dirty="0">
+              <a:rPr lang="en-GB" sz="3600" dirty="0">
                 <a:solidFill>
                   <a:schemeClr val="bg1"/>
                 </a:solidFill>
@@ -3556,7 +3557,7 @@
               <a:t>Earth and </a:t>
             </a:r>
             <a:r>
-              <a:rPr lang="en-GB" sz="4000" dirty="0" err="1">
+              <a:rPr lang="en-GB" sz="3600" dirty="0" err="1">
                 <a:solidFill>
                   <a:schemeClr val="bg1"/>
                 </a:solidFill>
@@ -3564,7 +3565,7 @@
               <a:t>heav'n</a:t>
             </a:r>
             <a:r>
-              <a:rPr lang="en-GB" sz="4000" dirty="0">
+              <a:rPr lang="en-GB" sz="3600" dirty="0">
                 <a:solidFill>
                   <a:schemeClr val="bg1"/>
                 </a:solidFill>
@@ -3574,7 +3575,7 @@
           </a:p>
           <a:p>
             <a:r>
-              <a:rPr lang="en-GB" sz="4000" dirty="0">
+              <a:rPr lang="en-GB" sz="3600" dirty="0">
                 <a:solidFill>
                   <a:schemeClr val="bg1"/>
                 </a:solidFill>
@@ -3584,7 +3585,7 @@
           </a:p>
           <a:p>
             <a:r>
-              <a:rPr lang="en-GB" sz="4000" dirty="0">
+              <a:rPr lang="en-GB" sz="3600" dirty="0">
                 <a:solidFill>
                   <a:schemeClr val="bg1"/>
                 </a:solidFill>
@@ -3594,7 +3595,7 @@
           </a:p>
           <a:p>
             <a:r>
-              <a:rPr lang="en-GB" sz="4000" dirty="0">
+              <a:rPr lang="en-GB" sz="3600" dirty="0">
                 <a:solidFill>
                   <a:schemeClr val="bg1"/>
                 </a:solidFill>
@@ -3604,7 +3605,7 @@
           </a:p>
           <a:p>
             <a:r>
-              <a:rPr lang="en-GB" sz="4000" dirty="0">
+              <a:rPr lang="en-GB" sz="3600" dirty="0">
                 <a:solidFill>
                   <a:schemeClr val="bg1"/>
                 </a:solidFill>
@@ -3642,7 +3643,7 @@
                   <a:schemeClr val="bg1"/>
                 </a:solidFill>
               </a:rPr>
-              <a:t>3/3</a:t>
+              <a:t>3/4</a:t>
             </a:r>
           </a:p>
         </p:txBody>
@@ -3651,6 +3652,150 @@
     <p:extLst>
       <p:ext uri="{BB962C8B-B14F-4D97-AF65-F5344CB8AC3E}">
         <p14:creationId xmlns:p14="http://schemas.microsoft.com/office/powerpoint/2010/main" val="3661379052"/>
+      </p:ext>
+    </p:extLst>
+  </p:cSld>
+  <p:clrMapOvr>
+    <a:masterClrMapping/>
+  </p:clrMapOvr>
+</p:sld>
+</file>
+
+<file path=ppt/slides/slide5.xml><?xml version="1.0" encoding="utf-8"?>
+<p:sld xmlns:a="http://schemas.openxmlformats.org/drawingml/2006/main" xmlns:r="http://schemas.openxmlformats.org/officeDocument/2006/relationships" xmlns:p="http://schemas.openxmlformats.org/presentationml/2006/main">
+  <p:cSld>
+    <p:spTree>
+      <p:nvGrpSpPr>
+        <p:cNvPr id="1" name="">
+          <a:extLst>
+            <a:ext uri="{FF2B5EF4-FFF2-40B4-BE49-F238E27FC236}">
+              <a16:creationId xmlns:a16="http://schemas.microsoft.com/office/drawing/2014/main" id="{FFD736FE-7E44-4DF7-F873-3C8AC234F6AB}"/>
+            </a:ext>
+          </a:extLst>
+        </p:cNvPr>
+        <p:cNvGrpSpPr/>
+        <p:nvPr/>
+      </p:nvGrpSpPr>
+      <p:grpSpPr>
+        <a:xfrm>
+          <a:off x="0" y="0"/>
+          <a:ext cx="0" cy="0"/>
+          <a:chOff x="0" y="0"/>
+          <a:chExt cx="0" cy="0"/>
+        </a:xfrm>
+      </p:grpSpPr>
+      <p:sp>
+        <p:nvSpPr>
+          <p:cNvPr id="3" name="Subtitle 2">
+            <a:extLst>
+              <a:ext uri="{FF2B5EF4-FFF2-40B4-BE49-F238E27FC236}">
+                <a16:creationId xmlns:a16="http://schemas.microsoft.com/office/drawing/2014/main" id="{C9403651-3555-EA94-4282-29C2CE40B5AE}"/>
+              </a:ext>
+            </a:extLst>
+          </p:cNvPr>
+          <p:cNvSpPr>
+            <a:spLocks noGrp="1"/>
+          </p:cNvSpPr>
+          <p:nvPr>
+            <p:ph type="subTitle" idx="1"/>
+          </p:nvPr>
+        </p:nvSpPr>
+        <p:spPr>
+          <a:xfrm>
+            <a:off x="251520" y="764704"/>
+            <a:ext cx="8640960" cy="6480720"/>
+          </a:xfrm>
+        </p:spPr>
+        <p:txBody>
+          <a:bodyPr>
+            <a:noAutofit/>
+          </a:bodyPr>
+          <a:lstStyle/>
+          <a:p>
+            <a:r>
+              <a:rPr lang="en-GB" sz="3600" dirty="0">
+                <a:solidFill>
+                  <a:schemeClr val="bg1"/>
+                </a:solidFill>
+              </a:rPr>
+              <a:t>Your majesty I can but bow</a:t>
+            </a:r>
+          </a:p>
+          <a:p>
+            <a:r>
+              <a:rPr lang="en-GB" sz="3600" dirty="0">
+                <a:solidFill>
+                  <a:schemeClr val="bg1"/>
+                </a:solidFill>
+              </a:rPr>
+              <a:t>I lay my all before You now</a:t>
+            </a:r>
+          </a:p>
+          <a:p>
+            <a:r>
+              <a:rPr lang="en-GB" sz="3600" dirty="0">
+                <a:solidFill>
+                  <a:schemeClr val="bg1"/>
+                </a:solidFill>
+              </a:rPr>
+              <a:t>In royal robes I don't deserve</a:t>
+            </a:r>
+          </a:p>
+          <a:p>
+            <a:r>
+              <a:rPr lang="en-GB" sz="3600" dirty="0">
+                <a:solidFill>
+                  <a:schemeClr val="bg1"/>
+                </a:solidFill>
+              </a:rPr>
+              <a:t>I live to serve Your majesty</a:t>
+            </a:r>
+          </a:p>
+        </p:txBody>
+      </p:sp>
+      <p:sp>
+        <p:nvSpPr>
+          <p:cNvPr id="4" name="TextBox 3">
+            <a:extLst>
+              <a:ext uri="{FF2B5EF4-FFF2-40B4-BE49-F238E27FC236}">
+                <a16:creationId xmlns:a16="http://schemas.microsoft.com/office/drawing/2014/main" id="{927C959A-86FB-B2FE-6C45-85337B21E40D}"/>
+              </a:ext>
+            </a:extLst>
+          </p:cNvPr>
+          <p:cNvSpPr txBox="1"/>
+          <p:nvPr/>
+        </p:nvSpPr>
+        <p:spPr>
+          <a:xfrm>
+            <a:off x="8529729" y="0"/>
+            <a:ext cx="628698" cy="461665"/>
+          </a:xfrm>
+          <a:prstGeom prst="rect">
+            <a:avLst/>
+          </a:prstGeom>
+          <a:noFill/>
+        </p:spPr>
+        <p:txBody>
+          <a:bodyPr wrap="none" rtlCol="0">
+            <a:spAutoFit/>
+          </a:bodyPr>
+          <a:lstStyle/>
+          <a:p>
+            <a:r>
+              <a:rPr lang="en-GB" sz="2400" b="1" dirty="0">
+                <a:solidFill>
+                  <a:schemeClr val="bg1"/>
+                </a:solidFill>
+              </a:rPr>
+              <a:t>4/4</a:t>
+            </a:r>
+          </a:p>
+        </p:txBody>
+      </p:sp>
+    </p:spTree>
+    <p:extLst>
+      <p:ext uri="{BB962C8B-B14F-4D97-AF65-F5344CB8AC3E}">
+        <p14:creationId xmlns:p14="http://schemas.microsoft.com/office/powerpoint/2010/main" val="3361053437"/>
       </p:ext>
     </p:extLst>
   </p:cSld>
